--- a/slides/Pythonlearn-02-ExpressionsAndConditionals.pptx
+++ b/slides/Pythonlearn-02-ExpressionsAndConditionals.pptx
@@ -8678,8 +8678,13 @@
           <p:nvPr/>
         </p:nvPicPr>
         <p:blipFill rotWithShape="1">
-          <a:blip r:embed="rId4">
+          <a:blip r:embed="rId4" cstate="email">
             <a:alphaModFix/>
+            <a:extLst>
+              <a:ext uri="{28A0092B-C50C-407E-A947-70E740481C1C}">
+                <a14:useLocalDpi xmlns:a14="http://schemas.microsoft.com/office/drawing/2010/main"/>
+              </a:ext>
+            </a:extLst>
           </a:blip>
           <a:srcRect/>
           <a:stretch/>
@@ -52815,8 +52820,13 @@
           <p:nvPr/>
         </p:nvPicPr>
         <p:blipFill rotWithShape="1">
-          <a:blip r:embed="rId4">
+          <a:blip r:embed="rId4" cstate="email">
             <a:alphaModFix/>
+            <a:extLst>
+              <a:ext uri="{28A0092B-C50C-407E-A947-70E740481C1C}">
+                <a14:useLocalDpi xmlns:a14="http://schemas.microsoft.com/office/drawing/2010/main"/>
+              </a:ext>
+            </a:extLst>
           </a:blip>
           <a:srcRect/>
           <a:stretch/>
